--- a/201903.pptx
+++ b/201903.pptx
@@ -12,7 +12,10 @@
     <p:sldId id="260" r:id="rId6"/>
     <p:sldId id="261" r:id="rId7"/>
     <p:sldId id="262" r:id="rId8"/>
-    <p:sldId id="263" r:id="rId9"/>
+    <p:sldId id="265" r:id="rId9"/>
+    <p:sldId id="266" r:id="rId10"/>
+    <p:sldId id="264" r:id="rId11"/>
+    <p:sldId id="263" r:id="rId12"/>
   </p:sldIdLst>
   <p:sldSz cx="12192000" cy="6858000"/>
   <p:notesSz cx="6858000" cy="9144000"/>
@@ -111,6 +114,11 @@
       </a:defRPr>
     </a:lvl9pPr>
   </p:defaultTextStyle>
+  <p:extLst>
+    <p:ext uri="{EFAFB233-063F-42B5-8137-9DF3F51BA10A}">
+      <p15:sldGuideLst xmlns:p15="http://schemas.microsoft.com/office/powerpoint/2012/main"/>
+    </p:ext>
+  </p:extLst>
 </p:presentation>
 </file>
 
@@ -245,7 +253,7 @@
           <a:p>
             <a:fld id="{694B314B-B68B-4379-BBD8-981150E999B1}" type="datetimeFigureOut">
               <a:rPr lang="zh-CN" altLang="en-US" smtClean="0"/>
-              <a:t>2019/3/25</a:t>
+              <a:t>2019/3/27</a:t>
             </a:fld>
             <a:endParaRPr lang="zh-CN" altLang="en-US"/>
           </a:p>
@@ -415,7 +423,7 @@
           <a:p>
             <a:fld id="{694B314B-B68B-4379-BBD8-981150E999B1}" type="datetimeFigureOut">
               <a:rPr lang="zh-CN" altLang="en-US" smtClean="0"/>
-              <a:t>2019/3/25</a:t>
+              <a:t>2019/3/27</a:t>
             </a:fld>
             <a:endParaRPr lang="zh-CN" altLang="en-US"/>
           </a:p>
@@ -595,7 +603,7 @@
           <a:p>
             <a:fld id="{694B314B-B68B-4379-BBD8-981150E999B1}" type="datetimeFigureOut">
               <a:rPr lang="zh-CN" altLang="en-US" smtClean="0"/>
-              <a:t>2019/3/25</a:t>
+              <a:t>2019/3/27</a:t>
             </a:fld>
             <a:endParaRPr lang="zh-CN" altLang="en-US"/>
           </a:p>
@@ -765,7 +773,7 @@
           <a:p>
             <a:fld id="{694B314B-B68B-4379-BBD8-981150E999B1}" type="datetimeFigureOut">
               <a:rPr lang="zh-CN" altLang="en-US" smtClean="0"/>
-              <a:t>2019/3/25</a:t>
+              <a:t>2019/3/27</a:t>
             </a:fld>
             <a:endParaRPr lang="zh-CN" altLang="en-US"/>
           </a:p>
@@ -1011,7 +1019,7 @@
           <a:p>
             <a:fld id="{694B314B-B68B-4379-BBD8-981150E999B1}" type="datetimeFigureOut">
               <a:rPr lang="zh-CN" altLang="en-US" smtClean="0"/>
-              <a:t>2019/3/25</a:t>
+              <a:t>2019/3/27</a:t>
             </a:fld>
             <a:endParaRPr lang="zh-CN" altLang="en-US"/>
           </a:p>
@@ -1243,7 +1251,7 @@
           <a:p>
             <a:fld id="{694B314B-B68B-4379-BBD8-981150E999B1}" type="datetimeFigureOut">
               <a:rPr lang="zh-CN" altLang="en-US" smtClean="0"/>
-              <a:t>2019/3/25</a:t>
+              <a:t>2019/3/27</a:t>
             </a:fld>
             <a:endParaRPr lang="zh-CN" altLang="en-US"/>
           </a:p>
@@ -1610,7 +1618,7 @@
           <a:p>
             <a:fld id="{694B314B-B68B-4379-BBD8-981150E999B1}" type="datetimeFigureOut">
               <a:rPr lang="zh-CN" altLang="en-US" smtClean="0"/>
-              <a:t>2019/3/25</a:t>
+              <a:t>2019/3/27</a:t>
             </a:fld>
             <a:endParaRPr lang="zh-CN" altLang="en-US"/>
           </a:p>
@@ -1728,7 +1736,7 @@
           <a:p>
             <a:fld id="{694B314B-B68B-4379-BBD8-981150E999B1}" type="datetimeFigureOut">
               <a:rPr lang="zh-CN" altLang="en-US" smtClean="0"/>
-              <a:t>2019/3/25</a:t>
+              <a:t>2019/3/27</a:t>
             </a:fld>
             <a:endParaRPr lang="zh-CN" altLang="en-US"/>
           </a:p>
@@ -1823,7 +1831,7 @@
           <a:p>
             <a:fld id="{694B314B-B68B-4379-BBD8-981150E999B1}" type="datetimeFigureOut">
               <a:rPr lang="zh-CN" altLang="en-US" smtClean="0"/>
-              <a:t>2019/3/25</a:t>
+              <a:t>2019/3/27</a:t>
             </a:fld>
             <a:endParaRPr lang="zh-CN" altLang="en-US"/>
           </a:p>
@@ -2100,7 +2108,7 @@
           <a:p>
             <a:fld id="{694B314B-B68B-4379-BBD8-981150E999B1}" type="datetimeFigureOut">
               <a:rPr lang="zh-CN" altLang="en-US" smtClean="0"/>
-              <a:t>2019/3/25</a:t>
+              <a:t>2019/3/27</a:t>
             </a:fld>
             <a:endParaRPr lang="zh-CN" altLang="en-US"/>
           </a:p>
@@ -2353,7 +2361,7 @@
           <a:p>
             <a:fld id="{694B314B-B68B-4379-BBD8-981150E999B1}" type="datetimeFigureOut">
               <a:rPr lang="zh-CN" altLang="en-US" smtClean="0"/>
-              <a:t>2019/3/25</a:t>
+              <a:t>2019/3/27</a:t>
             </a:fld>
             <a:endParaRPr lang="zh-CN" altLang="en-US"/>
           </a:p>
@@ -2566,7 +2574,7 @@
           <a:p>
             <a:fld id="{694B314B-B68B-4379-BBD8-981150E999B1}" type="datetimeFigureOut">
               <a:rPr lang="zh-CN" altLang="en-US" smtClean="0"/>
-              <a:t>2019/3/25</a:t>
+              <a:t>2019/3/27</a:t>
             </a:fld>
             <a:endParaRPr lang="zh-CN" altLang="en-US"/>
           </a:p>
@@ -4557,6 +4565,66 @@
     <p:extLst>
       <p:ext uri="{BB962C8B-B14F-4D97-AF65-F5344CB8AC3E}">
         <p14:creationId xmlns:p14="http://schemas.microsoft.com/office/powerpoint/2010/main" val="3502215104"/>
+      </p:ext>
+    </p:extLst>
+  </p:cSld>
+  <p:clrMapOvr>
+    <a:masterClrMapping/>
+  </p:clrMapOvr>
+</p:sld>
+</file>
+
+<file path=ppt/slides/slide10.xml><?xml version="1.0" encoding="utf-8"?>
+<p:sld xmlns:a="http://schemas.openxmlformats.org/drawingml/2006/main" xmlns:r="http://schemas.openxmlformats.org/officeDocument/2006/relationships" xmlns:p="http://schemas.openxmlformats.org/presentationml/2006/main">
+  <p:cSld>
+    <p:spTree>
+      <p:nvGrpSpPr>
+        <p:cNvPr id="1" name=""/>
+        <p:cNvGrpSpPr/>
+        <p:nvPr/>
+      </p:nvGrpSpPr>
+      <p:grpSpPr>
+        <a:xfrm>
+          <a:off x="0" y="0"/>
+          <a:ext cx="0" cy="0"/>
+          <a:chOff x="0" y="0"/>
+          <a:chExt cx="0" cy="0"/>
+        </a:xfrm>
+      </p:grpSpPr>
+    </p:spTree>
+    <p:extLst>
+      <p:ext uri="{BB962C8B-B14F-4D97-AF65-F5344CB8AC3E}">
+        <p14:creationId xmlns:p14="http://schemas.microsoft.com/office/powerpoint/2010/main" val="3298867889"/>
+      </p:ext>
+    </p:extLst>
+  </p:cSld>
+  <p:clrMapOvr>
+    <a:masterClrMapping/>
+  </p:clrMapOvr>
+</p:sld>
+</file>
+
+<file path=ppt/slides/slide11.xml><?xml version="1.0" encoding="utf-8"?>
+<p:sld xmlns:a="http://schemas.openxmlformats.org/drawingml/2006/main" xmlns:r="http://schemas.openxmlformats.org/officeDocument/2006/relationships" xmlns:p="http://schemas.openxmlformats.org/presentationml/2006/main">
+  <p:cSld>
+    <p:spTree>
+      <p:nvGrpSpPr>
+        <p:cNvPr id="1" name=""/>
+        <p:cNvGrpSpPr/>
+        <p:nvPr/>
+      </p:nvGrpSpPr>
+      <p:grpSpPr>
+        <a:xfrm>
+          <a:off x="0" y="0"/>
+          <a:ext cx="0" cy="0"/>
+          <a:chOff x="0" y="0"/>
+          <a:chExt cx="0" cy="0"/>
+        </a:xfrm>
+      </p:grpSpPr>
+    </p:spTree>
+    <p:extLst>
+      <p:ext uri="{BB962C8B-B14F-4D97-AF65-F5344CB8AC3E}">
+        <p14:creationId xmlns:p14="http://schemas.microsoft.com/office/powerpoint/2010/main" val="474242397"/>
       </p:ext>
     </p:extLst>
   </p:cSld>
@@ -6157,6 +6225,151 @@
           <a:chExt cx="0" cy="0"/>
         </a:xfrm>
       </p:grpSpPr>
+      <p:sp>
+        <p:nvSpPr>
+          <p:cNvPr id="2" name="文本框 1"/>
+          <p:cNvSpPr txBox="1"/>
+          <p:nvPr/>
+        </p:nvSpPr>
+        <p:spPr>
+          <a:xfrm>
+            <a:off x="1433945" y="779318"/>
+            <a:ext cx="5047985" cy="1754326"/>
+          </a:xfrm>
+          <a:prstGeom prst="rect">
+            <a:avLst/>
+          </a:prstGeom>
+          <a:noFill/>
+        </p:spPr>
+        <p:txBody>
+          <a:bodyPr wrap="none" rtlCol="0">
+            <a:spAutoFit/>
+          </a:bodyPr>
+          <a:lstStyle/>
+          <a:p>
+            <a:r>
+              <a:rPr lang="en-US" altLang="zh-CN" dirty="0" err="1" smtClean="0"/>
+              <a:t>Configmap</a:t>
+            </a:r>
+            <a:r>
+              <a:rPr lang="zh-CN" altLang="en-US" dirty="0" smtClean="0"/>
+              <a:t>配置更新</a:t>
+            </a:r>
+            <a:endParaRPr lang="en-US" altLang="zh-CN" dirty="0" smtClean="0"/>
+          </a:p>
+          <a:p>
+            <a:endParaRPr lang="en-US" altLang="zh-CN" dirty="0"/>
+          </a:p>
+          <a:p>
+            <a:endParaRPr lang="en-US" altLang="zh-CN" dirty="0" smtClean="0"/>
+          </a:p>
+          <a:p>
+            <a:r>
+              <a:rPr lang="en-US" altLang="zh-CN" dirty="0" err="1" smtClean="0"/>
+              <a:t>configmap</a:t>
+            </a:r>
+            <a:r>
+              <a:rPr lang="en-US" altLang="zh-CN" dirty="0" smtClean="0"/>
+              <a:t>-reload</a:t>
+            </a:r>
+            <a:r>
+              <a:rPr lang="zh-CN" altLang="en-US" dirty="0" smtClean="0"/>
+              <a:t>，作为</a:t>
+            </a:r>
+            <a:r>
+              <a:rPr lang="en-US" altLang="zh-CN" dirty="0" smtClean="0"/>
+              <a:t>sidecar</a:t>
+            </a:r>
+            <a:r>
+              <a:rPr lang="zh-CN" altLang="en-US" dirty="0" smtClean="0"/>
+              <a:t>监听本地文件变更</a:t>
+            </a:r>
+            <a:endParaRPr lang="en-US" altLang="zh-CN" dirty="0" smtClean="0"/>
+          </a:p>
+          <a:p>
+            <a:r>
+              <a:rPr lang="en-US" altLang="zh-CN" dirty="0" err="1" smtClean="0"/>
+              <a:t>Configmap</a:t>
+            </a:r>
+            <a:r>
+              <a:rPr lang="zh-CN" altLang="en-US" dirty="0" smtClean="0"/>
+              <a:t>算一个</a:t>
+            </a:r>
+            <a:r>
+              <a:rPr lang="en-US" altLang="zh-CN" dirty="0" smtClean="0"/>
+              <a:t>hash</a:t>
+            </a:r>
+            <a:r>
+              <a:rPr lang="zh-CN" altLang="en-US" dirty="0" smtClean="0"/>
+              <a:t>值作为变量加入</a:t>
+            </a:r>
+            <a:r>
+              <a:rPr lang="en-US" altLang="zh-CN" dirty="0" smtClean="0"/>
+              <a:t>pod</a:t>
+            </a:r>
+            <a:r>
+              <a:rPr lang="zh-CN" altLang="en-US" dirty="0" smtClean="0"/>
+              <a:t>模板中</a:t>
+            </a:r>
+            <a:endParaRPr lang="en-US" altLang="zh-CN" dirty="0" smtClean="0"/>
+          </a:p>
+          <a:p>
+            <a:r>
+              <a:rPr lang="zh-CN" altLang="en-US" dirty="0" smtClean="0"/>
+              <a:t>使用</a:t>
+            </a:r>
+            <a:r>
+              <a:rPr lang="en-US" altLang="zh-CN" dirty="0" err="1" smtClean="0"/>
+              <a:t>github</a:t>
+            </a:r>
+            <a:r>
+              <a:rPr lang="zh-CN" altLang="en-US" dirty="0" smtClean="0"/>
+              <a:t>上的</a:t>
+            </a:r>
+            <a:r>
+              <a:rPr lang="en-US" altLang="zh-CN" dirty="0" smtClean="0"/>
+              <a:t>controller</a:t>
+            </a:r>
+            <a:r>
+              <a:rPr lang="zh-CN" altLang="en-US" dirty="0" smtClean="0"/>
+              <a:t>监听</a:t>
+            </a:r>
+            <a:r>
+              <a:rPr lang="en-US" altLang="zh-CN" dirty="0" err="1" smtClean="0"/>
+              <a:t>configmap</a:t>
+            </a:r>
+            <a:endParaRPr lang="zh-CN" altLang="en-US" dirty="0"/>
+          </a:p>
+        </p:txBody>
+      </p:sp>
+      <p:sp>
+        <p:nvSpPr>
+          <p:cNvPr id="3" name="矩形 2"/>
+          <p:cNvSpPr/>
+          <p:nvPr/>
+        </p:nvSpPr>
+        <p:spPr>
+          <a:xfrm>
+            <a:off x="366114" y="6153789"/>
+            <a:ext cx="5578515" cy="369332"/>
+          </a:xfrm>
+          <a:prstGeom prst="rect">
+            <a:avLst/>
+          </a:prstGeom>
+        </p:spPr>
+        <p:txBody>
+          <a:bodyPr wrap="none">
+            <a:spAutoFit/>
+          </a:bodyPr>
+          <a:lstStyle/>
+          <a:p>
+            <a:r>
+              <a:rPr lang="zh-CN" altLang="en-US" dirty="0"/>
+              <a:t>https://mp.weixin.qq.com/s/aD6FOBMJuXDqDT60hXrZEA</a:t>
+            </a:r>
+          </a:p>
+        </p:txBody>
+      </p:sp>
     </p:spTree>
     <p:extLst>
       <p:ext uri="{BB962C8B-B14F-4D97-AF65-F5344CB8AC3E}">
@@ -6187,6 +6400,124 @@
           <a:chExt cx="0" cy="0"/>
         </a:xfrm>
       </p:grpSpPr>
+      <p:pic>
+        <p:nvPicPr>
+          <p:cNvPr id="2" name="图片 1"/>
+          <p:cNvPicPr>
+            <a:picLocks noChangeAspect="1"/>
+          </p:cNvPicPr>
+          <p:nvPr/>
+        </p:nvPicPr>
+        <p:blipFill>
+          <a:blip r:embed="rId2">
+            <a:extLst>
+              <a:ext uri="{28A0092B-C50C-407E-A947-70E740481C1C}">
+                <a14:useLocalDpi xmlns:a14="http://schemas.microsoft.com/office/drawing/2010/main" val="0"/>
+              </a:ext>
+            </a:extLst>
+          </a:blip>
+          <a:stretch>
+            <a:fillRect/>
+          </a:stretch>
+        </p:blipFill>
+        <p:spPr>
+          <a:xfrm>
+            <a:off x="172316" y="109001"/>
+            <a:ext cx="4025611" cy="3015549"/>
+          </a:xfrm>
+          <a:prstGeom prst="rect">
+            <a:avLst/>
+          </a:prstGeom>
+        </p:spPr>
+      </p:pic>
+      <p:pic>
+        <p:nvPicPr>
+          <p:cNvPr id="3" name="图片 2"/>
+          <p:cNvPicPr>
+            <a:picLocks noChangeAspect="1"/>
+          </p:cNvPicPr>
+          <p:nvPr/>
+        </p:nvPicPr>
+        <p:blipFill>
+          <a:blip r:embed="rId3">
+            <a:extLst>
+              <a:ext uri="{28A0092B-C50C-407E-A947-70E740481C1C}">
+                <a14:useLocalDpi xmlns:a14="http://schemas.microsoft.com/office/drawing/2010/main" val="0"/>
+              </a:ext>
+            </a:extLst>
+          </a:blip>
+          <a:stretch>
+            <a:fillRect/>
+          </a:stretch>
+        </p:blipFill>
+        <p:spPr>
+          <a:xfrm>
+            <a:off x="4745182" y="281421"/>
+            <a:ext cx="6466610" cy="3317131"/>
+          </a:xfrm>
+          <a:prstGeom prst="rect">
+            <a:avLst/>
+          </a:prstGeom>
+        </p:spPr>
+      </p:pic>
+      <p:pic>
+        <p:nvPicPr>
+          <p:cNvPr id="4" name="图片 3"/>
+          <p:cNvPicPr>
+            <a:picLocks noChangeAspect="1"/>
+          </p:cNvPicPr>
+          <p:nvPr/>
+        </p:nvPicPr>
+        <p:blipFill>
+          <a:blip r:embed="rId4">
+            <a:extLst>
+              <a:ext uri="{28A0092B-C50C-407E-A947-70E740481C1C}">
+                <a14:useLocalDpi xmlns:a14="http://schemas.microsoft.com/office/drawing/2010/main" val="0"/>
+              </a:ext>
+            </a:extLst>
+          </a:blip>
+          <a:stretch>
+            <a:fillRect/>
+          </a:stretch>
+        </p:blipFill>
+        <p:spPr>
+          <a:xfrm>
+            <a:off x="4120862" y="2943225"/>
+            <a:ext cx="5238750" cy="3257550"/>
+          </a:xfrm>
+          <a:prstGeom prst="rect">
+            <a:avLst/>
+          </a:prstGeom>
+        </p:spPr>
+      </p:pic>
+      <p:sp>
+        <p:nvSpPr>
+          <p:cNvPr id="5" name="矩形 4"/>
+          <p:cNvSpPr/>
+          <p:nvPr/>
+        </p:nvSpPr>
+        <p:spPr>
+          <a:xfrm>
+            <a:off x="312965" y="6248110"/>
+            <a:ext cx="5518562" cy="369332"/>
+          </a:xfrm>
+          <a:prstGeom prst="rect">
+            <a:avLst/>
+          </a:prstGeom>
+        </p:spPr>
+        <p:txBody>
+          <a:bodyPr wrap="none">
+            <a:spAutoFit/>
+          </a:bodyPr>
+          <a:lstStyle/>
+          <a:p>
+            <a:r>
+              <a:rPr lang="zh-CN" altLang="en-US" dirty="0"/>
+              <a:t>https://mp.weixin.qq.com/s/hYbVMUe9aTbrF8Ddw3YjfA</a:t>
+            </a:r>
+          </a:p>
+        </p:txBody>
+      </p:sp>
     </p:spTree>
     <p:extLst>
       <p:ext uri="{BB962C8B-B14F-4D97-AF65-F5344CB8AC3E}">
@@ -6217,10 +6548,357 @@
           <a:chExt cx="0" cy="0"/>
         </a:xfrm>
       </p:grpSpPr>
+      <p:sp>
+        <p:nvSpPr>
+          <p:cNvPr id="2" name="矩形 1"/>
+          <p:cNvSpPr/>
+          <p:nvPr/>
+        </p:nvSpPr>
+        <p:spPr>
+          <a:xfrm>
+            <a:off x="907472" y="432367"/>
+            <a:ext cx="10792691" cy="2308324"/>
+          </a:xfrm>
+          <a:prstGeom prst="rect">
+            <a:avLst/>
+          </a:prstGeom>
+        </p:spPr>
+        <p:txBody>
+          <a:bodyPr wrap="square">
+            <a:spAutoFit/>
+          </a:bodyPr>
+          <a:lstStyle/>
+          <a:p>
+            <a:r>
+              <a:rPr lang="zh-CN" altLang="en-US" i="1" dirty="0">
+                <a:solidFill>
+                  <a:srgbClr val="888888"/>
+                </a:solidFill>
+                <a:latin typeface="Source Sans Pro"/>
+              </a:rPr>
+              <a:t>业界对于可编程交换机有很多争论，有人说网络变更是大忌，追求可编程而不是稳定性的网工不是为了</a:t>
+            </a:r>
+            <a:r>
+              <a:rPr lang="en-US" altLang="zh-CN" i="1" dirty="0">
+                <a:solidFill>
+                  <a:srgbClr val="888888"/>
+                </a:solidFill>
+                <a:latin typeface="Source Sans Pro"/>
+              </a:rPr>
+              <a:t>KPI</a:t>
+            </a:r>
+            <a:r>
+              <a:rPr lang="zh-CN" altLang="en-US" i="1" dirty="0">
+                <a:solidFill>
+                  <a:srgbClr val="888888"/>
+                </a:solidFill>
+                <a:latin typeface="Source Sans Pro"/>
+              </a:rPr>
+              <a:t>就是家里有矿；有人说网络可编程是几十年来网络领域难得的创新，从解耦的网络到可编程的网络是个必然。</a:t>
+            </a:r>
+            <a:endParaRPr lang="zh-CN" altLang="en-US" i="1" dirty="0">
+              <a:solidFill>
+                <a:srgbClr val="424242"/>
+              </a:solidFill>
+              <a:latin typeface="Source Sans Pro"/>
+            </a:endParaRPr>
+          </a:p>
+          <a:p>
+            <a:endParaRPr lang="zh-CN" altLang="en-US" i="1" dirty="0">
+              <a:solidFill>
+                <a:srgbClr val="424242"/>
+              </a:solidFill>
+              <a:latin typeface="Source Sans Pro"/>
+            </a:endParaRPr>
+          </a:p>
+          <a:p>
+            <a:r>
+              <a:rPr lang="zh-CN" altLang="en-US" i="1" dirty="0">
+                <a:solidFill>
+                  <a:srgbClr val="888888"/>
+                </a:solidFill>
+                <a:latin typeface="Source Sans Pro"/>
+              </a:rPr>
+              <a:t>人们总是高估眼前的东西，而低估了长远的变化。如同</a:t>
+            </a:r>
+            <a:r>
+              <a:rPr lang="en-US" altLang="zh-CN" i="1" dirty="0">
+                <a:solidFill>
+                  <a:srgbClr val="888888"/>
+                </a:solidFill>
+                <a:latin typeface="Source Sans Pro"/>
+              </a:rPr>
+              <a:t>5G</a:t>
+            </a:r>
+            <a:r>
+              <a:rPr lang="zh-CN" altLang="en-US" i="1" dirty="0">
+                <a:solidFill>
+                  <a:srgbClr val="888888"/>
+                </a:solidFill>
+                <a:latin typeface="Source Sans Pro"/>
+              </a:rPr>
+              <a:t>与边缘计算的讨论，当整个基础实施架构发生变化，</a:t>
+            </a:r>
+            <a:r>
+              <a:rPr lang="en-US" altLang="zh-CN" i="1" dirty="0">
+                <a:solidFill>
+                  <a:srgbClr val="888888"/>
+                </a:solidFill>
+                <a:latin typeface="Source Sans Pro"/>
+              </a:rPr>
+              <a:t>AI</a:t>
+            </a:r>
+            <a:r>
+              <a:rPr lang="zh-CN" altLang="en-US" i="1" dirty="0">
+                <a:solidFill>
+                  <a:srgbClr val="888888"/>
+                </a:solidFill>
+                <a:latin typeface="Source Sans Pro"/>
+              </a:rPr>
+              <a:t>会随着边缘计算在各种场景落地，因为相信所以看见</a:t>
+            </a:r>
+            <a:r>
+              <a:rPr lang="zh-CN" altLang="en-US" i="1" dirty="0" smtClean="0">
+                <a:solidFill>
+                  <a:srgbClr val="888888"/>
+                </a:solidFill>
+                <a:latin typeface="Source Sans Pro"/>
+              </a:rPr>
+              <a:t>。</a:t>
+            </a:r>
+            <a:r>
+              <a:rPr lang="zh-CN" altLang="en-US" i="1" dirty="0">
+                <a:solidFill>
+                  <a:srgbClr val="424242"/>
+                </a:solidFill>
+                <a:latin typeface="Source Sans Pro"/>
+              </a:rPr>
+              <a:t/>
+            </a:r>
+            <a:br>
+              <a:rPr lang="zh-CN" altLang="en-US" i="1" dirty="0">
+                <a:solidFill>
+                  <a:srgbClr val="424242"/>
+                </a:solidFill>
+                <a:latin typeface="Source Sans Pro"/>
+              </a:rPr>
+            </a:br>
+            <a:endParaRPr lang="zh-CN" altLang="en-US" i="1" dirty="0">
+              <a:solidFill>
+                <a:srgbClr val="424242"/>
+              </a:solidFill>
+              <a:latin typeface="Source Sans Pro"/>
+            </a:endParaRPr>
+          </a:p>
+          <a:p>
+            <a:r>
+              <a:rPr lang="en-US" altLang="zh-CN" i="1" dirty="0">
+                <a:solidFill>
+                  <a:srgbClr val="888888"/>
+                </a:solidFill>
+                <a:latin typeface="Source Sans Pro"/>
+              </a:rPr>
+              <a:t>P4</a:t>
+            </a:r>
+            <a:r>
+              <a:rPr lang="zh-CN" altLang="en-US" i="1" dirty="0">
+                <a:solidFill>
+                  <a:srgbClr val="888888"/>
+                </a:solidFill>
+                <a:latin typeface="Source Sans Pro"/>
+              </a:rPr>
+              <a:t>在微软的不断探索也预示着可编程交换机的未来走向。</a:t>
+            </a:r>
+            <a:endParaRPr lang="zh-CN" altLang="en-US" b="0" i="1" dirty="0">
+              <a:solidFill>
+                <a:srgbClr val="424242"/>
+              </a:solidFill>
+              <a:effectLst/>
+              <a:latin typeface="Source Sans Pro"/>
+            </a:endParaRPr>
+          </a:p>
+        </p:txBody>
+      </p:sp>
+      <p:pic>
+        <p:nvPicPr>
+          <p:cNvPr id="3" name="图片 2"/>
+          <p:cNvPicPr>
+            <a:picLocks noChangeAspect="1"/>
+          </p:cNvPicPr>
+          <p:nvPr/>
+        </p:nvPicPr>
+        <p:blipFill>
+          <a:blip r:embed="rId2">
+            <a:extLst>
+              <a:ext uri="{28A0092B-C50C-407E-A947-70E740481C1C}">
+                <a14:useLocalDpi xmlns:a14="http://schemas.microsoft.com/office/drawing/2010/main" val="0"/>
+              </a:ext>
+            </a:extLst>
+          </a:blip>
+          <a:stretch>
+            <a:fillRect/>
+          </a:stretch>
+        </p:blipFill>
+        <p:spPr>
+          <a:xfrm>
+            <a:off x="803564" y="3007023"/>
+            <a:ext cx="4548188" cy="2551562"/>
+          </a:xfrm>
+          <a:prstGeom prst="rect">
+            <a:avLst/>
+          </a:prstGeom>
+        </p:spPr>
+      </p:pic>
+      <p:pic>
+        <p:nvPicPr>
+          <p:cNvPr id="4" name="图片 3"/>
+          <p:cNvPicPr>
+            <a:picLocks noChangeAspect="1"/>
+          </p:cNvPicPr>
+          <p:nvPr/>
+        </p:nvPicPr>
+        <p:blipFill>
+          <a:blip r:embed="rId3">
+            <a:extLst>
+              <a:ext uri="{28A0092B-C50C-407E-A947-70E740481C1C}">
+                <a14:useLocalDpi xmlns:a14="http://schemas.microsoft.com/office/drawing/2010/main" val="0"/>
+              </a:ext>
+            </a:extLst>
+          </a:blip>
+          <a:stretch>
+            <a:fillRect/>
+          </a:stretch>
+        </p:blipFill>
+        <p:spPr>
+          <a:xfrm>
+            <a:off x="5767820" y="3092163"/>
+            <a:ext cx="5776480" cy="2794263"/>
+          </a:xfrm>
+          <a:prstGeom prst="rect">
+            <a:avLst/>
+          </a:prstGeom>
+        </p:spPr>
+      </p:pic>
+      <p:sp>
+        <p:nvSpPr>
+          <p:cNvPr id="5" name="矩形 4"/>
+          <p:cNvSpPr/>
+          <p:nvPr/>
+        </p:nvSpPr>
+        <p:spPr>
+          <a:xfrm>
+            <a:off x="447212" y="6237898"/>
+            <a:ext cx="5520229" cy="369332"/>
+          </a:xfrm>
+          <a:prstGeom prst="rect">
+            <a:avLst/>
+          </a:prstGeom>
+        </p:spPr>
+        <p:txBody>
+          <a:bodyPr wrap="none">
+            <a:spAutoFit/>
+          </a:bodyPr>
+          <a:lstStyle/>
+          <a:p>
+            <a:r>
+              <a:rPr lang="zh-CN" altLang="en-US" dirty="0"/>
+              <a:t>https://mp.weixin.qq.com/s/dMeBaMykPLx2-RKlztPWBA</a:t>
+            </a:r>
+          </a:p>
+        </p:txBody>
+      </p:sp>
     </p:spTree>
     <p:extLst>
       <p:ext uri="{BB962C8B-B14F-4D97-AF65-F5344CB8AC3E}">
-        <p14:creationId xmlns:p14="http://schemas.microsoft.com/office/powerpoint/2010/main" val="474242397"/>
+        <p14:creationId xmlns:p14="http://schemas.microsoft.com/office/powerpoint/2010/main" val="3339561740"/>
+      </p:ext>
+    </p:extLst>
+  </p:cSld>
+  <p:clrMapOvr>
+    <a:masterClrMapping/>
+  </p:clrMapOvr>
+</p:sld>
+</file>
+
+<file path=ppt/slides/slide9.xml><?xml version="1.0" encoding="utf-8"?>
+<p:sld xmlns:a="http://schemas.openxmlformats.org/drawingml/2006/main" xmlns:r="http://schemas.openxmlformats.org/officeDocument/2006/relationships" xmlns:p="http://schemas.openxmlformats.org/presentationml/2006/main">
+  <p:cSld>
+    <p:spTree>
+      <p:nvGrpSpPr>
+        <p:cNvPr id="1" name=""/>
+        <p:cNvGrpSpPr/>
+        <p:nvPr/>
+      </p:nvGrpSpPr>
+      <p:grpSpPr>
+        <a:xfrm>
+          <a:off x="0" y="0"/>
+          <a:ext cx="0" cy="0"/>
+          <a:chOff x="0" y="0"/>
+          <a:chExt cx="0" cy="0"/>
+        </a:xfrm>
+      </p:grpSpPr>
+      <p:pic>
+        <p:nvPicPr>
+          <p:cNvPr id="2" name="图片 1"/>
+          <p:cNvPicPr>
+            <a:picLocks noChangeAspect="1"/>
+          </p:cNvPicPr>
+          <p:nvPr/>
+        </p:nvPicPr>
+        <p:blipFill>
+          <a:blip r:embed="rId2">
+            <a:extLst>
+              <a:ext uri="{28A0092B-C50C-407E-A947-70E740481C1C}">
+                <a14:useLocalDpi xmlns:a14="http://schemas.microsoft.com/office/drawing/2010/main" val="0"/>
+              </a:ext>
+            </a:extLst>
+          </a:blip>
+          <a:stretch>
+            <a:fillRect/>
+          </a:stretch>
+        </p:blipFill>
+        <p:spPr>
+          <a:xfrm>
+            <a:off x="1018309" y="191523"/>
+            <a:ext cx="9611591" cy="5137309"/>
+          </a:xfrm>
+          <a:prstGeom prst="rect">
+            <a:avLst/>
+          </a:prstGeom>
+        </p:spPr>
+      </p:pic>
+      <p:sp>
+        <p:nvSpPr>
+          <p:cNvPr id="3" name="矩形 2"/>
+          <p:cNvSpPr/>
+          <p:nvPr/>
+        </p:nvSpPr>
+        <p:spPr>
+          <a:xfrm>
+            <a:off x="332023" y="6091443"/>
+            <a:ext cx="5492081" cy="369332"/>
+          </a:xfrm>
+          <a:prstGeom prst="rect">
+            <a:avLst/>
+          </a:prstGeom>
+        </p:spPr>
+        <p:txBody>
+          <a:bodyPr wrap="none">
+            <a:spAutoFit/>
+          </a:bodyPr>
+          <a:lstStyle/>
+          <a:p>
+            <a:r>
+              <a:rPr lang="zh-CN" altLang="en-US" dirty="0"/>
+              <a:t>https://mp.weixin.qq.com/s/UduQyoEVF3kRC_-u76rSNA</a:t>
+            </a:r>
+          </a:p>
+        </p:txBody>
+      </p:sp>
+    </p:spTree>
+    <p:extLst>
+      <p:ext uri="{BB962C8B-B14F-4D97-AF65-F5344CB8AC3E}">
+        <p14:creationId xmlns:p14="http://schemas.microsoft.com/office/powerpoint/2010/main" val="666271195"/>
       </p:ext>
     </p:extLst>
   </p:cSld>
